--- a/tech day1&2.pptx
+++ b/tech day1&2.pptx
@@ -9293,20 +9293,57 @@
               <a:buFont typeface="Arial" panose="020B0604020202020204" pitchFamily="34" charset="0"/>
               <a:buNone/>
             </a:pPr>
-            <a:r>
-              <a:rPr lang="en-US" sz="2000" dirty="0"/>
-              <a:t>[Add a graphic that provides evidence of what you learned]</a:t>
-            </a:r>
-          </a:p>
-          <a:p>
-            <a:pPr marL="0" indent="0">
-              <a:buFont typeface="Arial" panose="020B0604020202020204" pitchFamily="34" charset="0"/>
-              <a:buNone/>
-            </a:pPr>
             <a:endParaRPr lang="en-US" sz="2000" dirty="0"/>
           </a:p>
         </p:txBody>
       </p:sp>
+      <p:pic>
+        <p:nvPicPr>
+          <p:cNvPr id="1026" name="Picture 2" descr="Tree swing, Project management, Software projects">
+            <a:extLst>
+              <a:ext uri="{FF2B5EF4-FFF2-40B4-BE49-F238E27FC236}">
+                <a16:creationId xmlns:a16="http://schemas.microsoft.com/office/drawing/2014/main" id="{619F8C72-7368-D6DB-96B5-BE4F4375265E}"/>
+              </a:ext>
+            </a:extLst>
+          </p:cNvPr>
+          <p:cNvPicPr>
+            <a:picLocks noChangeAspect="1" noChangeArrowheads="1"/>
+          </p:cNvPicPr>
+          <p:nvPr/>
+        </p:nvPicPr>
+        <p:blipFill>
+          <a:blip r:embed="rId7" cstate="screen">
+            <a:extLst>
+              <a:ext uri="{28A0092B-C50C-407E-A947-70E740481C1C}">
+                <a14:useLocalDpi xmlns:a14="http://schemas.microsoft.com/office/drawing/2010/main" val="0"/>
+              </a:ext>
+            </a:extLst>
+          </a:blip>
+          <a:srcRect/>
+          <a:stretch>
+            <a:fillRect/>
+          </a:stretch>
+        </p:blipFill>
+        <p:spPr bwMode="auto">
+          <a:xfrm>
+            <a:off x="6524746" y="2276015"/>
+            <a:ext cx="5102811" cy="3246195"/>
+          </a:xfrm>
+          <a:prstGeom prst="rect">
+            <a:avLst/>
+          </a:prstGeom>
+          <a:noFill/>
+          <a:extLst>
+            <a:ext uri="{909E8E84-426E-40DD-AFC4-6F175D3DCCD1}">
+              <a14:hiddenFill xmlns:a14="http://schemas.microsoft.com/office/drawing/2010/main">
+                <a:solidFill>
+                  <a:srgbClr val="FFFFFF"/>
+                </a:solidFill>
+              </a14:hiddenFill>
+            </a:ext>
+          </a:extLst>
+        </p:spPr>
+      </p:pic>
     </p:spTree>
     <p:extLst>
       <p:ext uri="{BB962C8B-B14F-4D97-AF65-F5344CB8AC3E}">
@@ -10084,20 +10121,57 @@
               <a:buFont typeface="Arial" panose="020B0604020202020204" pitchFamily="34" charset="0"/>
               <a:buNone/>
             </a:pPr>
-            <a:r>
-              <a:rPr lang="en-US" sz="2000"/>
-              <a:t>[Add a graphic that provides evidence of what you learned]</a:t>
-            </a:r>
-          </a:p>
-          <a:p>
-            <a:pPr marL="0" indent="0">
-              <a:buFont typeface="Arial" panose="020B0604020202020204" pitchFamily="34" charset="0"/>
-              <a:buNone/>
-            </a:pPr>
             <a:endParaRPr lang="en-US" sz="2000" dirty="0"/>
           </a:p>
         </p:txBody>
       </p:sp>
+      <p:pic>
+        <p:nvPicPr>
+          <p:cNvPr id="2050" name="Picture 2" descr="Agile methodology scrum - maqplans">
+            <a:extLst>
+              <a:ext uri="{FF2B5EF4-FFF2-40B4-BE49-F238E27FC236}">
+                <a16:creationId xmlns:a16="http://schemas.microsoft.com/office/drawing/2014/main" id="{3D445668-73EE-845F-3824-3A06FF0C3341}"/>
+              </a:ext>
+            </a:extLst>
+          </p:cNvPr>
+          <p:cNvPicPr>
+            <a:picLocks noChangeAspect="1" noChangeArrowheads="1"/>
+          </p:cNvPicPr>
+          <p:nvPr/>
+        </p:nvPicPr>
+        <p:blipFill>
+          <a:blip r:embed="rId7">
+            <a:extLst>
+              <a:ext uri="{28A0092B-C50C-407E-A947-70E740481C1C}">
+                <a14:useLocalDpi xmlns:a14="http://schemas.microsoft.com/office/drawing/2010/main" val="0"/>
+              </a:ext>
+            </a:extLst>
+          </a:blip>
+          <a:srcRect/>
+          <a:stretch>
+            <a:fillRect/>
+          </a:stretch>
+        </p:blipFill>
+        <p:spPr bwMode="auto">
+          <a:xfrm>
+            <a:off x="6532666" y="2380892"/>
+            <a:ext cx="5086972" cy="2822518"/>
+          </a:xfrm>
+          <a:prstGeom prst="rect">
+            <a:avLst/>
+          </a:prstGeom>
+          <a:noFill/>
+          <a:extLst>
+            <a:ext uri="{909E8E84-426E-40DD-AFC4-6F175D3DCCD1}">
+              <a14:hiddenFill xmlns:a14="http://schemas.microsoft.com/office/drawing/2010/main">
+                <a:solidFill>
+                  <a:srgbClr val="FFFFFF"/>
+                </a:solidFill>
+              </a14:hiddenFill>
+            </a:ext>
+          </a:extLst>
+        </p:spPr>
+      </p:pic>
     </p:spTree>
     <p:extLst>
       <p:ext uri="{BB962C8B-B14F-4D97-AF65-F5344CB8AC3E}">
@@ -10287,7 +10361,7 @@
                 <a:latin typeface="+mn-lt"/>
                 <a:cs typeface="+mj-cs"/>
               </a:rPr>
-              <a:t>Learning 3 | My takeaways</a:t>
+              <a:t>Learning 3 | Waterfall method</a:t>
             </a:r>
             <a:endParaRPr lang="en-IN" sz="4000" i="1" u="sng" dirty="0">
               <a:effectLst>
@@ -10681,25 +10755,8 @@
                 <a:effectLst/>
                 <a:latin typeface="-apple-system"/>
               </a:rPr>
-              <a:t>In the Energy sector, the Waterfall method can be used for projects with fixed </a:t>
+              <a:t>In the Energy sector, the Waterfall method can be used for projects with fixed requests. </a:t>
             </a:r>
-            <a:r>
-              <a:rPr lang="en-GB" sz="1600" b="0" i="0" dirty="0" err="1">
-                <a:solidFill>
-                  <a:srgbClr val="111111"/>
-                </a:solidFill>
-                <a:effectLst/>
-                <a:latin typeface="-apple-system"/>
-              </a:rPr>
-              <a:t>requ</a:t>
-            </a:r>
-            <a:endParaRPr lang="en-GB" sz="1600" b="0" i="0" dirty="0">
-              <a:solidFill>
-                <a:srgbClr val="111111"/>
-              </a:solidFill>
-              <a:effectLst/>
-              <a:latin typeface="-apple-system"/>
-            </a:endParaRPr>
           </a:p>
           <a:p>
             <a:pPr marL="0" indent="0">
@@ -10919,20 +10976,57 @@
               <a:buFont typeface="Arial" panose="020B0604020202020204" pitchFamily="34" charset="0"/>
               <a:buNone/>
             </a:pPr>
-            <a:r>
-              <a:rPr lang="en-US" sz="2000"/>
-              <a:t>[Add a graphic that provides evidence of what you learned]</a:t>
-            </a:r>
-          </a:p>
-          <a:p>
-            <a:pPr marL="0" indent="0">
-              <a:buFont typeface="Arial" panose="020B0604020202020204" pitchFamily="34" charset="0"/>
-              <a:buNone/>
-            </a:pPr>
             <a:endParaRPr lang="en-US" sz="2000" dirty="0"/>
           </a:p>
         </p:txBody>
       </p:sp>
+      <p:pic>
+        <p:nvPicPr>
+          <p:cNvPr id="3074" name="Picture 2" descr="A Comprehensive Guide to Waterfall Methodology in Project Management ...">
+            <a:extLst>
+              <a:ext uri="{FF2B5EF4-FFF2-40B4-BE49-F238E27FC236}">
+                <a16:creationId xmlns:a16="http://schemas.microsoft.com/office/drawing/2014/main" id="{D94C78DD-5E18-A1B3-FC3E-87A36051FF5B}"/>
+              </a:ext>
+            </a:extLst>
+          </p:cNvPr>
+          <p:cNvPicPr>
+            <a:picLocks noChangeAspect="1" noChangeArrowheads="1"/>
+          </p:cNvPicPr>
+          <p:nvPr/>
+        </p:nvPicPr>
+        <p:blipFill>
+          <a:blip r:embed="rId7">
+            <a:extLst>
+              <a:ext uri="{28A0092B-C50C-407E-A947-70E740481C1C}">
+                <a14:useLocalDpi xmlns:a14="http://schemas.microsoft.com/office/drawing/2010/main" val="0"/>
+              </a:ext>
+            </a:extLst>
+          </a:blip>
+          <a:srcRect/>
+          <a:stretch>
+            <a:fillRect/>
+          </a:stretch>
+        </p:blipFill>
+        <p:spPr bwMode="auto">
+          <a:xfrm>
+            <a:off x="6818727" y="2208425"/>
+            <a:ext cx="4514850" cy="3381375"/>
+          </a:xfrm>
+          <a:prstGeom prst="rect">
+            <a:avLst/>
+          </a:prstGeom>
+          <a:noFill/>
+          <a:extLst>
+            <a:ext uri="{909E8E84-426E-40DD-AFC4-6F175D3DCCD1}">
+              <a14:hiddenFill xmlns:a14="http://schemas.microsoft.com/office/drawing/2010/main">
+                <a:solidFill>
+                  <a:srgbClr val="FFFFFF"/>
+                </a:solidFill>
+              </a14:hiddenFill>
+            </a:ext>
+          </a:extLst>
+        </p:spPr>
+      </p:pic>
     </p:spTree>
     <p:extLst>
       <p:ext uri="{BB962C8B-B14F-4D97-AF65-F5344CB8AC3E}">
@@ -11845,14 +11939,6 @@
 </file>
 
 <file path=customXml/item1.xml><?xml version="1.0" encoding="utf-8"?>
-<p:properties xmlns:p="http://schemas.microsoft.com/office/2006/metadata/properties" xmlns:xsi="http://www.w3.org/2001/XMLSchema-instance" xmlns:pc="http://schemas.microsoft.com/office/infopath/2007/PartnerControls">
-  <documentManagement>
-    <_activity xmlns="d64320fb-f9a3-4131-8206-9d18da17abe9" xsi:nil="true"/>
-  </documentManagement>
-</p:properties>
-</file>
-
-<file path=customXml/item2.xml><?xml version="1.0" encoding="utf-8"?>
 <ct:contentTypeSchema xmlns:ct="http://schemas.microsoft.com/office/2006/metadata/contentType" xmlns:ma="http://schemas.microsoft.com/office/2006/metadata/properties/metaAttributes" ct:_="" ma:_="" ma:contentTypeName="Document" ma:contentTypeID="0x010100BF23033ADD2CC44581BA464AC24AB4CD" ma:contentTypeVersion="18" ma:contentTypeDescription="Create a new document." ma:contentTypeScope="" ma:versionID="bfa97c90a71db97c80c59ca5c0ffda22">
   <xsd:schema xmlns:xsd="http://www.w3.org/2001/XMLSchema" xmlns:xs="http://www.w3.org/2001/XMLSchema" xmlns:p="http://schemas.microsoft.com/office/2006/metadata/properties" xmlns:ns3="d64320fb-f9a3-4131-8206-9d18da17abe9" xmlns:ns4="489eda54-cdc8-4a48-94a2-8f9cf8024289" targetNamespace="http://schemas.microsoft.com/office/2006/metadata/properties" ma:root="true" ma:fieldsID="be474ca7a15bf1e8a5e4b2eb5ea5d141" ns3:_="" ns4:_="">
     <xsd:import namespace="d64320fb-f9a3-4131-8206-9d18da17abe9"/>
@@ -12105,6 +12191,14 @@
 </ct:contentTypeSchema>
 </file>
 
+<file path=customXml/item2.xml><?xml version="1.0" encoding="utf-8"?>
+<p:properties xmlns:p="http://schemas.microsoft.com/office/2006/metadata/properties" xmlns:xsi="http://www.w3.org/2001/XMLSchema-instance" xmlns:pc="http://schemas.microsoft.com/office/infopath/2007/PartnerControls">
+  <documentManagement>
+    <_activity xmlns="d64320fb-f9a3-4131-8206-9d18da17abe9" xsi:nil="true"/>
+  </documentManagement>
+</p:properties>
+</file>
+
 <file path=customXml/item3.xml><?xml version="1.0" encoding="utf-8"?>
 <?mso-contentType ?>
 <FormTemplates xmlns="http://schemas.microsoft.com/sharepoint/v3/contenttype/forms">
@@ -12115,23 +12209,6 @@
 </file>
 
 <file path=customXml/itemProps1.xml><?xml version="1.0" encoding="utf-8"?>
-<ds:datastoreItem xmlns:ds="http://schemas.openxmlformats.org/officeDocument/2006/customXml" ds:itemID="{1DADF44A-8650-472F-B2D9-50E27F0769F7}">
-  <ds:schemaRefs>
-    <ds:schemaRef ds:uri="http://purl.org/dc/terms/"/>
-    <ds:schemaRef ds:uri="http://purl.org/dc/elements/1.1/"/>
-    <ds:schemaRef ds:uri="http://schemas.microsoft.com/office/2006/documentManagement/types"/>
-    <ds:schemaRef ds:uri="http://schemas.openxmlformats.org/package/2006/metadata/core-properties"/>
-    <ds:schemaRef ds:uri="d64320fb-f9a3-4131-8206-9d18da17abe9"/>
-    <ds:schemaRef ds:uri="http://purl.org/dc/dcmitype/"/>
-    <ds:schemaRef ds:uri="http://schemas.microsoft.com/office/infopath/2007/PartnerControls"/>
-    <ds:schemaRef ds:uri="489eda54-cdc8-4a48-94a2-8f9cf8024289"/>
-    <ds:schemaRef ds:uri="http://schemas.microsoft.com/office/2006/metadata/properties"/>
-    <ds:schemaRef ds:uri="http://www.w3.org/XML/1998/namespace"/>
-  </ds:schemaRefs>
-</ds:datastoreItem>
-</file>
-
-<file path=customXml/itemProps2.xml><?xml version="1.0" encoding="utf-8"?>
 <ds:datastoreItem xmlns:ds="http://schemas.openxmlformats.org/officeDocument/2006/customXml" ds:itemID="{912B7AD5-CBD7-462B-BC8B-1E0D74017F51}">
   <ds:schemaRefs>
     <ds:schemaRef ds:uri="http://schemas.microsoft.com/office/2006/metadata/contentType"/>
@@ -12150,6 +12227,23 @@
 </ds:datastoreItem>
 </file>
 
+<file path=customXml/itemProps2.xml><?xml version="1.0" encoding="utf-8"?>
+<ds:datastoreItem xmlns:ds="http://schemas.openxmlformats.org/officeDocument/2006/customXml" ds:itemID="{1DADF44A-8650-472F-B2D9-50E27F0769F7}">
+  <ds:schemaRefs>
+    <ds:schemaRef ds:uri="http://purl.org/dc/terms/"/>
+    <ds:schemaRef ds:uri="http://purl.org/dc/elements/1.1/"/>
+    <ds:schemaRef ds:uri="http://schemas.microsoft.com/office/2006/documentManagement/types"/>
+    <ds:schemaRef ds:uri="http://schemas.openxmlformats.org/package/2006/metadata/core-properties"/>
+    <ds:schemaRef ds:uri="d64320fb-f9a3-4131-8206-9d18da17abe9"/>
+    <ds:schemaRef ds:uri="http://purl.org/dc/dcmitype/"/>
+    <ds:schemaRef ds:uri="http://schemas.microsoft.com/office/infopath/2007/PartnerControls"/>
+    <ds:schemaRef ds:uri="489eda54-cdc8-4a48-94a2-8f9cf8024289"/>
+    <ds:schemaRef ds:uri="http://schemas.microsoft.com/office/2006/metadata/properties"/>
+    <ds:schemaRef ds:uri="http://www.w3.org/XML/1998/namespace"/>
+  </ds:schemaRefs>
+</ds:datastoreItem>
+</file>
+
 <file path=customXml/itemProps3.xml><?xml version="1.0" encoding="utf-8"?>
 <ds:datastoreItem xmlns:ds="http://schemas.openxmlformats.org/officeDocument/2006/customXml" ds:itemID="{911617EF-9A33-49DD-BF18-3F75C7B3CC29}">
   <ds:schemaRefs>
